--- a/2502110930 LMG (6).pptx
+++ b/2502110930 LMG (6).pptx
@@ -16769,7 +16769,7 @@
               <a:defRPr/>
             </a:pPr>
             <a:r>
-              <a:rPr kumimoji="1" lang="en-US" altLang="ko-KR" sz="4100" b="1">
+              <a:rPr kumimoji="1" lang="en-US" altLang="ko-KR" sz="3900" b="1">
                 <a:solidFill>
                   <a:schemeClr val="accent1"/>
                 </a:solidFill>
@@ -16779,7 +16779,7 @@
               <a:t>1</a:t>
             </a:r>
             <a:r>
-              <a:rPr kumimoji="1" lang="ko-KR" altLang="en-US" sz="4100" b="1">
+              <a:rPr kumimoji="1" lang="ko-KR" altLang="en-US" sz="3900" b="1">
                 <a:solidFill>
                   <a:schemeClr val="accent1"/>
                 </a:solidFill>
@@ -16788,7 +16788,7 @@
               </a:rPr>
               <a:t>차 여행 사이트맵 구성</a:t>
             </a:r>
-            <a:endParaRPr lang="ko-KR" altLang="en-US" sz="4100">
+            <a:endParaRPr lang="ko-KR" altLang="en-US" sz="3900">
               <a:latin typeface="한컴 말랑말랑 Bold"/>
               <a:ea typeface="한컴 말랑말랑 Bold"/>
             </a:endParaRPr>
